--- a/DI.pptx
+++ b/DI.pptx
@@ -5,10 +5,10 @@
     <p:sldMasterId id="2147483648" r:id="rId1"/>
   </p:sldMasterIdLst>
   <p:notesMasterIdLst>
-    <p:notesMasterId r:id="rId13"/>
+    <p:notesMasterId r:id="rId14"/>
   </p:notesMasterIdLst>
   <p:handoutMasterIdLst>
-    <p:handoutMasterId r:id="rId14"/>
+    <p:handoutMasterId r:id="rId15"/>
   </p:handoutMasterIdLst>
   <p:sldIdLst>
     <p:sldId id="256" r:id="rId2"/>
@@ -19,9 +19,10 @@
     <p:sldId id="323" r:id="rId7"/>
     <p:sldId id="324" r:id="rId8"/>
     <p:sldId id="326" r:id="rId9"/>
-    <p:sldId id="327" r:id="rId10"/>
-    <p:sldId id="330" r:id="rId11"/>
-    <p:sldId id="277" r:id="rId12"/>
+    <p:sldId id="331" r:id="rId10"/>
+    <p:sldId id="327" r:id="rId11"/>
+    <p:sldId id="330" r:id="rId12"/>
+    <p:sldId id="277" r:id="rId13"/>
   </p:sldIdLst>
   <p:sldSz cx="12192000" cy="6858000"/>
   <p:notesSz cx="6858000" cy="9144000"/>
@@ -741,6 +742,90 @@
 </file>
 
 <file path=ppt/notesSlides/notesSlide10.xml><?xml version="1.0" encoding="utf-8"?>
+<p:notes xmlns:a="http://schemas.openxmlformats.org/drawingml/2006/main" xmlns:r="http://schemas.openxmlformats.org/officeDocument/2006/relationships" xmlns:p="http://schemas.openxmlformats.org/presentationml/2006/main">
+  <p:cSld>
+    <p:spTree>
+      <p:nvGrpSpPr>
+        <p:cNvPr id="1" name=""/>
+        <p:cNvGrpSpPr/>
+        <p:nvPr/>
+      </p:nvGrpSpPr>
+      <p:grpSpPr>
+        <a:xfrm>
+          <a:off x="0" y="0"/>
+          <a:ext cx="0" cy="0"/>
+          <a:chOff x="0" y="0"/>
+          <a:chExt cx="0" cy="0"/>
+        </a:xfrm>
+      </p:grpSpPr>
+      <p:sp>
+        <p:nvSpPr>
+          <p:cNvPr id="2" name="Slide Image Placeholder 1"/>
+          <p:cNvSpPr>
+            <a:spLocks noGrp="1" noRot="1" noChangeAspect="1"/>
+          </p:cNvSpPr>
+          <p:nvPr>
+            <p:ph type="sldImg"/>
+          </p:nvPr>
+        </p:nvSpPr>
+        <p:spPr/>
+      </p:sp>
+      <p:sp>
+        <p:nvSpPr>
+          <p:cNvPr id="3" name="Notes Placeholder 2"/>
+          <p:cNvSpPr>
+            <a:spLocks noGrp="1"/>
+          </p:cNvSpPr>
+          <p:nvPr>
+            <p:ph type="body" idx="1"/>
+          </p:nvPr>
+        </p:nvSpPr>
+        <p:spPr/>
+        <p:txBody>
+          <a:bodyPr/>
+          <a:lstStyle/>
+          <a:p>
+            <a:endParaRPr lang="el-GR" dirty="0"/>
+          </a:p>
+        </p:txBody>
+      </p:sp>
+      <p:sp>
+        <p:nvSpPr>
+          <p:cNvPr id="4" name="Slide Number Placeholder 3"/>
+          <p:cNvSpPr>
+            <a:spLocks noGrp="1"/>
+          </p:cNvSpPr>
+          <p:nvPr>
+            <p:ph type="sldNum" sz="quarter" idx="10"/>
+          </p:nvPr>
+        </p:nvSpPr>
+        <p:spPr/>
+        <p:txBody>
+          <a:bodyPr/>
+          <a:lstStyle/>
+          <a:p>
+            <a:fld id="{7EC87FAE-DBB4-304A-85B6-C3B042B13BD1}" type="slidenum">
+              <a:rPr lang="en-US" smtClean="0"/>
+              <a:t>11</a:t>
+            </a:fld>
+            <a:endParaRPr lang="en-US"/>
+          </a:p>
+        </p:txBody>
+      </p:sp>
+    </p:spTree>
+    <p:extLst>
+      <p:ext uri="{BB962C8B-B14F-4D97-AF65-F5344CB8AC3E}">
+        <p14:creationId xmlns:p14="http://schemas.microsoft.com/office/powerpoint/2010/main" val="2701188861"/>
+      </p:ext>
+    </p:extLst>
+  </p:cSld>
+  <p:clrMapOvr>
+    <a:masterClrMapping/>
+  </p:clrMapOvr>
+</p:notes>
+</file>
+
+<file path=ppt/notesSlides/notesSlide11.xml><?xml version="1.0" encoding="utf-8"?>
 <p:notes xmlns:a="http://schemas.openxmlformats.org/drawingml/2006/main" xmlns:r="http://schemas.openxmlformats.org/officeDocument/2006/relationships" xmlns:p="http://schemas.openxmlformats.org/presentationml/2006/main" showMasterSp="0" showMasterPhAnim="0">
   <p:cSld>
     <p:spTree>
@@ -2110,7 +2195,7 @@
     </p:spTree>
     <p:extLst>
       <p:ext uri="{BB962C8B-B14F-4D97-AF65-F5344CB8AC3E}">
-        <p14:creationId xmlns:p14="http://schemas.microsoft.com/office/powerpoint/2010/main" val="2959091038"/>
+        <p14:creationId xmlns:p14="http://schemas.microsoft.com/office/powerpoint/2010/main" val="3123852387"/>
       </p:ext>
     </p:extLst>
   </p:cSld>
@@ -2164,6 +2249,12 @@
           <a:bodyPr/>
           <a:lstStyle/>
           <a:p>
+            <a:r>
+              <a:rPr lang="en-US" dirty="0"/>
+              <a:t>Small classes with single responsibility</a:t>
+            </a:r>
+          </a:p>
+          <a:p>
             <a:endParaRPr lang="el-GR" dirty="0"/>
           </a:p>
         </p:txBody>
@@ -2194,7 +2285,7 @@
     </p:spTree>
     <p:extLst>
       <p:ext uri="{BB962C8B-B14F-4D97-AF65-F5344CB8AC3E}">
-        <p14:creationId xmlns:p14="http://schemas.microsoft.com/office/powerpoint/2010/main" val="2701188861"/>
+        <p14:creationId xmlns:p14="http://schemas.microsoft.com/office/powerpoint/2010/main" val="2959091038"/>
       </p:ext>
     </p:extLst>
   </p:cSld>
@@ -7041,6 +7132,127 @@
           <a:p>
             <a:r>
               <a:rPr lang="en-US" dirty="0"/>
+              <a:t>Benefits</a:t>
+            </a:r>
+            <a:endParaRPr lang="el-GR" dirty="0"/>
+          </a:p>
+        </p:txBody>
+      </p:sp>
+      <p:sp>
+        <p:nvSpPr>
+          <p:cNvPr id="3" name="Content Placeholder 2">
+            <a:extLst>
+              <a:ext uri="{FF2B5EF4-FFF2-40B4-BE49-F238E27FC236}">
+                <a16:creationId xmlns:a16="http://schemas.microsoft.com/office/drawing/2014/main" id="{54993B46-BEF5-4B6F-B66B-B948AACEAA86}"/>
+              </a:ext>
+            </a:extLst>
+          </p:cNvPr>
+          <p:cNvSpPr>
+            <a:spLocks noGrp="1"/>
+          </p:cNvSpPr>
+          <p:nvPr>
+            <p:ph idx="1"/>
+          </p:nvPr>
+        </p:nvSpPr>
+        <p:spPr/>
+        <p:txBody>
+          <a:bodyPr>
+            <a:normAutofit/>
+          </a:bodyPr>
+          <a:lstStyle/>
+          <a:p>
+            <a:r>
+              <a:rPr lang="en-US" dirty="0"/>
+              <a:t>Independency</a:t>
+            </a:r>
+          </a:p>
+          <a:p>
+            <a:r>
+              <a:rPr lang="en-US" dirty="0"/>
+              <a:t>Reusability</a:t>
+            </a:r>
+          </a:p>
+          <a:p>
+            <a:r>
+              <a:rPr lang="en-US" dirty="0"/>
+              <a:t>Interchangeability</a:t>
+            </a:r>
+          </a:p>
+          <a:p>
+            <a:r>
+              <a:rPr lang="en-US" dirty="0"/>
+              <a:t>Extensibility</a:t>
+            </a:r>
+          </a:p>
+          <a:p>
+            <a:r>
+              <a:rPr lang="en-US" dirty="0"/>
+              <a:t>Testability</a:t>
+            </a:r>
+          </a:p>
+          <a:p>
+            <a:r>
+              <a:rPr lang="en-US" dirty="0"/>
+              <a:t>Allows parallel work</a:t>
+            </a:r>
+          </a:p>
+        </p:txBody>
+      </p:sp>
+    </p:spTree>
+    <p:extLst>
+      <p:ext uri="{BB962C8B-B14F-4D97-AF65-F5344CB8AC3E}">
+        <p14:creationId xmlns:p14="http://schemas.microsoft.com/office/powerpoint/2010/main" val="2370361245"/>
+      </p:ext>
+    </p:extLst>
+  </p:cSld>
+  <p:clrMapOvr>
+    <a:masterClrMapping/>
+  </p:clrMapOvr>
+</p:sld>
+</file>
+
+<file path=ppt/slides/slide11.xml><?xml version="1.0" encoding="utf-8"?>
+<p:sld xmlns:a="http://schemas.openxmlformats.org/drawingml/2006/main" xmlns:r="http://schemas.openxmlformats.org/officeDocument/2006/relationships" xmlns:p="http://schemas.openxmlformats.org/presentationml/2006/main">
+  <p:cSld>
+    <p:spTree>
+      <p:nvGrpSpPr>
+        <p:cNvPr id="1" name=""/>
+        <p:cNvGrpSpPr/>
+        <p:nvPr/>
+      </p:nvGrpSpPr>
+      <p:grpSpPr>
+        <a:xfrm>
+          <a:off x="0" y="0"/>
+          <a:ext cx="0" cy="0"/>
+          <a:chOff x="0" y="0"/>
+          <a:chExt cx="0" cy="0"/>
+        </a:xfrm>
+      </p:grpSpPr>
+      <p:sp>
+        <p:nvSpPr>
+          <p:cNvPr id="2" name="Title 1">
+            <a:extLst>
+              <a:ext uri="{FF2B5EF4-FFF2-40B4-BE49-F238E27FC236}">
+                <a16:creationId xmlns:a16="http://schemas.microsoft.com/office/drawing/2014/main" id="{09F71980-6091-47C5-AA28-CF77E450CEF1}"/>
+              </a:ext>
+            </a:extLst>
+          </p:cNvPr>
+          <p:cNvSpPr>
+            <a:spLocks noGrp="1"/>
+          </p:cNvSpPr>
+          <p:nvPr>
+            <p:ph type="title"/>
+          </p:nvPr>
+        </p:nvSpPr>
+        <p:spPr/>
+        <p:txBody>
+          <a:bodyPr>
+            <a:normAutofit/>
+          </a:bodyPr>
+          <a:lstStyle/>
+          <a:p>
+            <a:r>
+              <a:rPr lang="en-US" dirty="0"/>
               <a:t>Resources</a:t>
             </a:r>
             <a:endParaRPr lang="el-GR" dirty="0"/>
@@ -7111,7 +7323,7 @@
 </p:sld>
 </file>
 
-<file path=ppt/slides/slide11.xml><?xml version="1.0" encoding="utf-8"?>
+<file path=ppt/slides/slide12.xml><?xml version="1.0" encoding="utf-8"?>
 <p:sld xmlns:a="http://schemas.openxmlformats.org/drawingml/2006/main" xmlns:r="http://schemas.openxmlformats.org/officeDocument/2006/relationships" xmlns:p="http://schemas.openxmlformats.org/presentationml/2006/main">
   <p:cSld>
     <p:spTree>
@@ -9200,7 +9412,7 @@
           <a:graphicData uri="http://schemas.openxmlformats.org/presentationml/2006/ole">
             <mc:AlternateContent xmlns:mc="http://schemas.openxmlformats.org/markup-compatibility/2006">
               <mc:Choice xmlns:v="urn:schemas-microsoft-com:vml" Requires="v">
-                <p:oleObj spid="_x0000_s3227" name="Document" r:id="rId3" imgW="3860640" imgH="1805040" progId="Word.OpenDocumentText.12">
+                <p:oleObj spid="_x0000_s3231" name="Document" r:id="rId3" imgW="3860640" imgH="1805040" progId="Word.OpenDocumentText.12">
                   <p:embed/>
                 </p:oleObj>
               </mc:Choice>
@@ -9257,7 +9469,7 @@
           <a:graphicData uri="http://schemas.openxmlformats.org/presentationml/2006/ole">
             <mc:AlternateContent xmlns:mc="http://schemas.openxmlformats.org/markup-compatibility/2006">
               <mc:Choice xmlns:v="urn:schemas-microsoft-com:vml" Requires="v">
-                <p:oleObj spid="_x0000_s3228" name="Document" r:id="rId5" imgW="4312800" imgH="2797200" progId="Word.OpenDocumentText.12">
+                <p:oleObj spid="_x0000_s3232" name="Document" r:id="rId5" imgW="4312800" imgH="2797200" progId="Word.OpenDocumentText.12">
                   <p:embed/>
                 </p:oleObj>
               </mc:Choice>
@@ -9385,7 +9597,7 @@
           <a:graphicData uri="http://schemas.openxmlformats.org/presentationml/2006/ole">
             <mc:AlternateContent xmlns:mc="http://schemas.openxmlformats.org/markup-compatibility/2006">
               <mc:Choice xmlns:v="urn:schemas-microsoft-com:vml" Requires="v">
-                <p:oleObj spid="_x0000_s5226" name="Document" r:id="rId4" imgW="4052520" imgH="1749240" progId="Word.OpenDocumentText.12">
+                <p:oleObj spid="_x0000_s5230" name="Document" r:id="rId4" imgW="4052520" imgH="1749240" progId="Word.OpenDocumentText.12">
                   <p:embed/>
                 </p:oleObj>
               </mc:Choice>
@@ -9442,7 +9654,7 @@
           <a:graphicData uri="http://schemas.openxmlformats.org/presentationml/2006/ole">
             <mc:AlternateContent xmlns:mc="http://schemas.openxmlformats.org/markup-compatibility/2006">
               <mc:Choice xmlns:v="urn:schemas-microsoft-com:vml" Requires="v">
-                <p:oleObj spid="_x0000_s5227" name="Document" r:id="rId6" imgW="4052520" imgH="1749600" progId="Word.OpenDocumentText.12">
+                <p:oleObj spid="_x0000_s5231" name="Document" r:id="rId6" imgW="4052520" imgH="1749600" progId="Word.OpenDocumentText.12">
                   <p:embed/>
                 </p:oleObj>
               </mc:Choice>
@@ -9532,7 +9744,7 @@
           <a:p>
             <a:r>
               <a:rPr lang="en-US" dirty="0"/>
-              <a:t>Benefits</a:t>
+              <a:t>Lifetime</a:t>
             </a:r>
             <a:endParaRPr lang="el-GR" dirty="0"/>
           </a:p>
@@ -9563,37 +9775,54 @@
           <a:p>
             <a:r>
               <a:rPr lang="en-US" dirty="0"/>
-              <a:t>Independency</a:t>
-            </a:r>
+              <a:t>Transient – </a:t>
+            </a:r>
+            <a:r>
+              <a:rPr lang="en-US" dirty="0">
+                <a:solidFill>
+                  <a:prstClr val="black">
+                    <a:lumMod val="50000"/>
+                    <a:lumOff val="50000"/>
+                  </a:prstClr>
+                </a:solidFill>
+              </a:rPr>
+              <a:t>created each time they requested</a:t>
+            </a:r>
+            <a:endParaRPr lang="en-US" dirty="0"/>
           </a:p>
           <a:p>
             <a:r>
               <a:rPr lang="en-US" dirty="0"/>
-              <a:t>Reusability</a:t>
-            </a:r>
+              <a:t>Scoped – </a:t>
+            </a:r>
+            <a:r>
+              <a:rPr lang="en-US" dirty="0">
+                <a:solidFill>
+                  <a:prstClr val="black">
+                    <a:lumMod val="50000"/>
+                    <a:lumOff val="50000"/>
+                  </a:prstClr>
+                </a:solidFill>
+              </a:rPr>
+              <a:t>created once per request</a:t>
+            </a:r>
+            <a:endParaRPr lang="en-US" dirty="0"/>
           </a:p>
           <a:p>
             <a:r>
               <a:rPr lang="en-US" dirty="0"/>
-              <a:t>Interchangeability</a:t>
-            </a:r>
-          </a:p>
-          <a:p>
-            <a:r>
-              <a:rPr lang="en-US" dirty="0"/>
-              <a:t>Extensibility</a:t>
-            </a:r>
-          </a:p>
-          <a:p>
-            <a:r>
-              <a:rPr lang="en-US" dirty="0"/>
-              <a:t>Testability</a:t>
-            </a:r>
-          </a:p>
-          <a:p>
-            <a:r>
-              <a:rPr lang="en-US" dirty="0"/>
-              <a:t>Allows parallel work</a:t>
+              <a:t>Singleton - </a:t>
+            </a:r>
+            <a:r>
+              <a:rPr lang="en-US" dirty="0">
+                <a:solidFill>
+                  <a:prstClr val="black">
+                    <a:lumMod val="50000"/>
+                    <a:lumOff val="50000"/>
+                  </a:prstClr>
+                </a:solidFill>
+              </a:rPr>
+              <a:t>created first time they requested, and then every subsequent request will use the same instance</a:t>
             </a:r>
           </a:p>
         </p:txBody>
@@ -9601,7 +9830,7 @@
     </p:spTree>
     <p:extLst>
       <p:ext uri="{BB962C8B-B14F-4D97-AF65-F5344CB8AC3E}">
-        <p14:creationId xmlns:p14="http://schemas.microsoft.com/office/powerpoint/2010/main" val="2370361245"/>
+        <p14:creationId xmlns:p14="http://schemas.microsoft.com/office/powerpoint/2010/main" val="184231039"/>
       </p:ext>
     </p:extLst>
   </p:cSld>
